--- a/scenarios/FSOAR/Comprmised_Web_Server/Workshop Scenario.pptx
+++ b/scenarios/FSOAR/Comprmised_Web_Server/Workshop Scenario.pptx
@@ -259,7 +259,7 @@
           <a:p>
             <a:fld id="{7C95FBF1-C6F0-8B4C-8BFA-6E4844AA057A}" type="datetimeFigureOut">
               <a:rPr lang="en-US" smtClean="0"/>
-              <a:t>5/18/20</a:t>
+              <a:t>5/27/20</a:t>
             </a:fld>
             <a:endParaRPr lang="en-US" dirty="0"/>
           </a:p>
@@ -457,7 +457,7 @@
           <a:p>
             <a:fld id="{7C95FBF1-C6F0-8B4C-8BFA-6E4844AA057A}" type="datetimeFigureOut">
               <a:rPr lang="en-US" smtClean="0"/>
-              <a:t>5/18/20</a:t>
+              <a:t>5/27/20</a:t>
             </a:fld>
             <a:endParaRPr lang="en-US" dirty="0"/>
           </a:p>
@@ -665,7 +665,7 @@
           <a:p>
             <a:fld id="{7C95FBF1-C6F0-8B4C-8BFA-6E4844AA057A}" type="datetimeFigureOut">
               <a:rPr lang="en-US" smtClean="0"/>
-              <a:t>5/18/20</a:t>
+              <a:t>5/27/20</a:t>
             </a:fld>
             <a:endParaRPr lang="en-US" dirty="0"/>
           </a:p>
@@ -863,7 +863,7 @@
           <a:p>
             <a:fld id="{7C95FBF1-C6F0-8B4C-8BFA-6E4844AA057A}" type="datetimeFigureOut">
               <a:rPr lang="en-US" smtClean="0"/>
-              <a:t>5/18/20</a:t>
+              <a:t>5/27/20</a:t>
             </a:fld>
             <a:endParaRPr lang="en-US" dirty="0"/>
           </a:p>
@@ -1138,7 +1138,7 @@
           <a:p>
             <a:fld id="{7C95FBF1-C6F0-8B4C-8BFA-6E4844AA057A}" type="datetimeFigureOut">
               <a:rPr lang="en-US" smtClean="0"/>
-              <a:t>5/18/20</a:t>
+              <a:t>5/27/20</a:t>
             </a:fld>
             <a:endParaRPr lang="en-US" dirty="0"/>
           </a:p>
@@ -1403,7 +1403,7 @@
           <a:p>
             <a:fld id="{7C95FBF1-C6F0-8B4C-8BFA-6E4844AA057A}" type="datetimeFigureOut">
               <a:rPr lang="en-US" smtClean="0"/>
-              <a:t>5/18/20</a:t>
+              <a:t>5/27/20</a:t>
             </a:fld>
             <a:endParaRPr lang="en-US" dirty="0"/>
           </a:p>
@@ -1815,7 +1815,7 @@
           <a:p>
             <a:fld id="{7C95FBF1-C6F0-8B4C-8BFA-6E4844AA057A}" type="datetimeFigureOut">
               <a:rPr lang="en-US" smtClean="0"/>
-              <a:t>5/18/20</a:t>
+              <a:t>5/27/20</a:t>
             </a:fld>
             <a:endParaRPr lang="en-US" dirty="0"/>
           </a:p>
@@ -1956,7 +1956,7 @@
           <a:p>
             <a:fld id="{7C95FBF1-C6F0-8B4C-8BFA-6E4844AA057A}" type="datetimeFigureOut">
               <a:rPr lang="en-US" smtClean="0"/>
-              <a:t>5/18/20</a:t>
+              <a:t>5/27/20</a:t>
             </a:fld>
             <a:endParaRPr lang="en-US" dirty="0"/>
           </a:p>
@@ -2069,7 +2069,7 @@
           <a:p>
             <a:fld id="{7C95FBF1-C6F0-8B4C-8BFA-6E4844AA057A}" type="datetimeFigureOut">
               <a:rPr lang="en-US" smtClean="0"/>
-              <a:t>5/18/20</a:t>
+              <a:t>5/27/20</a:t>
             </a:fld>
             <a:endParaRPr lang="en-US" dirty="0"/>
           </a:p>
@@ -2380,7 +2380,7 @@
           <a:p>
             <a:fld id="{7C95FBF1-C6F0-8B4C-8BFA-6E4844AA057A}" type="datetimeFigureOut">
               <a:rPr lang="en-US" smtClean="0"/>
-              <a:t>5/18/20</a:t>
+              <a:t>5/27/20</a:t>
             </a:fld>
             <a:endParaRPr lang="en-US" dirty="0"/>
           </a:p>
@@ -2668,7 +2668,7 @@
           <a:p>
             <a:fld id="{7C95FBF1-C6F0-8B4C-8BFA-6E4844AA057A}" type="datetimeFigureOut">
               <a:rPr lang="en-US" smtClean="0"/>
-              <a:t>5/18/20</a:t>
+              <a:t>5/27/20</a:t>
             </a:fld>
             <a:endParaRPr lang="en-US" dirty="0"/>
           </a:p>
@@ -2909,7 +2909,7 @@
           <a:p>
             <a:fld id="{7C95FBF1-C6F0-8B4C-8BFA-6E4844AA057A}" type="datetimeFigureOut">
               <a:rPr lang="en-US" smtClean="0"/>
-              <a:t>5/18/20</a:t>
+              <a:t>5/27/20</a:t>
             </a:fld>
             <a:endParaRPr lang="en-US" dirty="0"/>
           </a:p>
@@ -3955,14 +3955,14 @@
           </a:ln>
           <a:extLst>
             <a:ext uri="{909E8E84-426E-40dd-AFC4-6F175D3DCCD1}">
-              <a14:hiddenFill xmlns="" xmlns:a14="http://schemas.microsoft.com/office/drawing/2010/main">
+              <a14:hiddenFill xmlns:a14="http://schemas.microsoft.com/office/drawing/2010/main" xmlns="">
                 <a:solidFill>
                   <a:srgbClr val="FFFFFF"/>
                 </a:solidFill>
               </a14:hiddenFill>
             </a:ext>
             <a:ext uri="{91240B29-F687-4f45-9708-019B960494DF}">
-              <a14:hiddenLine xmlns="" xmlns:a14="http://schemas.microsoft.com/office/drawing/2010/main" w="9525">
+              <a14:hiddenLine xmlns:a14="http://schemas.microsoft.com/office/drawing/2010/main" xmlns="" w="9525">
                 <a:solidFill>
                   <a:srgbClr val="000000"/>
                 </a:solidFill>
@@ -4318,14 +4318,14 @@
           </a:ln>
           <a:extLst>
             <a:ext uri="{909E8E84-426E-40dd-AFC4-6F175D3DCCD1}">
-              <a14:hiddenFill xmlns:a14="http://schemas.microsoft.com/office/drawing/2010/main" xmlns="">
+              <a14:hiddenFill xmlns="" xmlns:a14="http://schemas.microsoft.com/office/drawing/2010/main">
                 <a:solidFill>
                   <a:srgbClr val="FFFFFF"/>
                 </a:solidFill>
               </a14:hiddenFill>
             </a:ext>
             <a:ext uri="{91240B29-F687-4f45-9708-019B960494DF}">
-              <a14:hiddenLine xmlns:a14="http://schemas.microsoft.com/office/drawing/2010/main" xmlns="" w="9525">
+              <a14:hiddenLine xmlns="" xmlns:a14="http://schemas.microsoft.com/office/drawing/2010/main" w="9525">
                 <a:solidFill>
                   <a:srgbClr val="000000"/>
                 </a:solidFill>

--- a/scenarios/FSOAR/Comprmised_Web_Server/Workshop Scenario.pptx
+++ b/scenarios/FSOAR/Comprmised_Web_Server/Workshop Scenario.pptx
@@ -259,7 +259,7 @@
           <a:p>
             <a:fld id="{7C95FBF1-C6F0-8B4C-8BFA-6E4844AA057A}" type="datetimeFigureOut">
               <a:rPr lang="en-US" smtClean="0"/>
-              <a:t>5/27/20</a:t>
+              <a:t>5/28/20</a:t>
             </a:fld>
             <a:endParaRPr lang="en-US" dirty="0"/>
           </a:p>
@@ -457,7 +457,7 @@
           <a:p>
             <a:fld id="{7C95FBF1-C6F0-8B4C-8BFA-6E4844AA057A}" type="datetimeFigureOut">
               <a:rPr lang="en-US" smtClean="0"/>
-              <a:t>5/27/20</a:t>
+              <a:t>5/28/20</a:t>
             </a:fld>
             <a:endParaRPr lang="en-US" dirty="0"/>
           </a:p>
@@ -665,7 +665,7 @@
           <a:p>
             <a:fld id="{7C95FBF1-C6F0-8B4C-8BFA-6E4844AA057A}" type="datetimeFigureOut">
               <a:rPr lang="en-US" smtClean="0"/>
-              <a:t>5/27/20</a:t>
+              <a:t>5/28/20</a:t>
             </a:fld>
             <a:endParaRPr lang="en-US" dirty="0"/>
           </a:p>
@@ -863,7 +863,7 @@
           <a:p>
             <a:fld id="{7C95FBF1-C6F0-8B4C-8BFA-6E4844AA057A}" type="datetimeFigureOut">
               <a:rPr lang="en-US" smtClean="0"/>
-              <a:t>5/27/20</a:t>
+              <a:t>5/28/20</a:t>
             </a:fld>
             <a:endParaRPr lang="en-US" dirty="0"/>
           </a:p>
@@ -1138,7 +1138,7 @@
           <a:p>
             <a:fld id="{7C95FBF1-C6F0-8B4C-8BFA-6E4844AA057A}" type="datetimeFigureOut">
               <a:rPr lang="en-US" smtClean="0"/>
-              <a:t>5/27/20</a:t>
+              <a:t>5/28/20</a:t>
             </a:fld>
             <a:endParaRPr lang="en-US" dirty="0"/>
           </a:p>
@@ -1403,7 +1403,7 @@
           <a:p>
             <a:fld id="{7C95FBF1-C6F0-8B4C-8BFA-6E4844AA057A}" type="datetimeFigureOut">
               <a:rPr lang="en-US" smtClean="0"/>
-              <a:t>5/27/20</a:t>
+              <a:t>5/28/20</a:t>
             </a:fld>
             <a:endParaRPr lang="en-US" dirty="0"/>
           </a:p>
@@ -1815,7 +1815,7 @@
           <a:p>
             <a:fld id="{7C95FBF1-C6F0-8B4C-8BFA-6E4844AA057A}" type="datetimeFigureOut">
               <a:rPr lang="en-US" smtClean="0"/>
-              <a:t>5/27/20</a:t>
+              <a:t>5/28/20</a:t>
             </a:fld>
             <a:endParaRPr lang="en-US" dirty="0"/>
           </a:p>
@@ -1956,7 +1956,7 @@
           <a:p>
             <a:fld id="{7C95FBF1-C6F0-8B4C-8BFA-6E4844AA057A}" type="datetimeFigureOut">
               <a:rPr lang="en-US" smtClean="0"/>
-              <a:t>5/27/20</a:t>
+              <a:t>5/28/20</a:t>
             </a:fld>
             <a:endParaRPr lang="en-US" dirty="0"/>
           </a:p>
@@ -2069,7 +2069,7 @@
           <a:p>
             <a:fld id="{7C95FBF1-C6F0-8B4C-8BFA-6E4844AA057A}" type="datetimeFigureOut">
               <a:rPr lang="en-US" smtClean="0"/>
-              <a:t>5/27/20</a:t>
+              <a:t>5/28/20</a:t>
             </a:fld>
             <a:endParaRPr lang="en-US" dirty="0"/>
           </a:p>
@@ -2380,7 +2380,7 @@
           <a:p>
             <a:fld id="{7C95FBF1-C6F0-8B4C-8BFA-6E4844AA057A}" type="datetimeFigureOut">
               <a:rPr lang="en-US" smtClean="0"/>
-              <a:t>5/27/20</a:t>
+              <a:t>5/28/20</a:t>
             </a:fld>
             <a:endParaRPr lang="en-US" dirty="0"/>
           </a:p>
@@ -2668,7 +2668,7 @@
           <a:p>
             <a:fld id="{7C95FBF1-C6F0-8B4C-8BFA-6E4844AA057A}" type="datetimeFigureOut">
               <a:rPr lang="en-US" smtClean="0"/>
-              <a:t>5/27/20</a:t>
+              <a:t>5/28/20</a:t>
             </a:fld>
             <a:endParaRPr lang="en-US" dirty="0"/>
           </a:p>
@@ -2909,7 +2909,7 @@
           <a:p>
             <a:fld id="{7C95FBF1-C6F0-8B4C-8BFA-6E4844AA057A}" type="datetimeFigureOut">
               <a:rPr lang="en-US" smtClean="0"/>
-              <a:t>5/27/20</a:t>
+              <a:t>5/28/20</a:t>
             </a:fld>
             <a:endParaRPr lang="en-US" dirty="0"/>
           </a:p>
@@ -3781,7 +3781,7 @@
         <p:spPr>
           <a:xfrm>
             <a:off x="104069" y="81170"/>
-            <a:ext cx="5060873" cy="584775"/>
+            <a:ext cx="6182077" cy="584775"/>
           </a:xfrm>
           <a:prstGeom prst="rect">
             <a:avLst/>
@@ -3796,7 +3796,7 @@
           <a:p>
             <a:r>
               <a:rPr lang="en-US" sz="3200" dirty="0"/>
-              <a:t>Scenario: Botnet deployment</a:t>
+              <a:t>Scenario: Compromised Web Server</a:t>
             </a:r>
           </a:p>
         </p:txBody>
@@ -3955,14 +3955,14 @@
           </a:ln>
           <a:extLst>
             <a:ext uri="{909E8E84-426E-40dd-AFC4-6F175D3DCCD1}">
-              <a14:hiddenFill xmlns:a14="http://schemas.microsoft.com/office/drawing/2010/main" xmlns="">
+              <a14:hiddenFill xmlns="" xmlns:a14="http://schemas.microsoft.com/office/drawing/2010/main">
                 <a:solidFill>
                   <a:srgbClr val="FFFFFF"/>
                 </a:solidFill>
               </a14:hiddenFill>
             </a:ext>
             <a:ext uri="{91240B29-F687-4f45-9708-019B960494DF}">
-              <a14:hiddenLine xmlns:a14="http://schemas.microsoft.com/office/drawing/2010/main" xmlns="" w="9525">
+              <a14:hiddenLine xmlns="" xmlns:a14="http://schemas.microsoft.com/office/drawing/2010/main" w="9525">
                 <a:solidFill>
                   <a:srgbClr val="000000"/>
                 </a:solidFill>
@@ -4318,14 +4318,14 @@
           </a:ln>
           <a:extLst>
             <a:ext uri="{909E8E84-426E-40dd-AFC4-6F175D3DCCD1}">
-              <a14:hiddenFill xmlns="" xmlns:a14="http://schemas.microsoft.com/office/drawing/2010/main">
+              <a14:hiddenFill xmlns:a14="http://schemas.microsoft.com/office/drawing/2010/main" xmlns="">
                 <a:solidFill>
                   <a:srgbClr val="FFFFFF"/>
                 </a:solidFill>
               </a14:hiddenFill>
             </a:ext>
             <a:ext uri="{91240B29-F687-4f45-9708-019B960494DF}">
-              <a14:hiddenLine xmlns="" xmlns:a14="http://schemas.microsoft.com/office/drawing/2010/main" w="9525">
+              <a14:hiddenLine xmlns:a14="http://schemas.microsoft.com/office/drawing/2010/main" xmlns="" w="9525">
                 <a:solidFill>
                   <a:srgbClr val="000000"/>
                 </a:solidFill>
